--- a/15_Ch01_MySQL.pptx
+++ b/15_Ch01_MySQL.pptx
@@ -5,7 +5,7 @@
     <p:sldMasterId id="2147483648" r:id="rId1"/>
   </p:sldMasterIdLst>
   <p:notesMasterIdLst>
-    <p:notesMasterId r:id="rId15"/>
+    <p:notesMasterId r:id="rId16"/>
   </p:notesMasterIdLst>
   <p:sldIdLst>
     <p:sldId id="256" r:id="rId2"/>
@@ -15,12 +15,13 @@
     <p:sldId id="288" r:id="rId6"/>
     <p:sldId id="268" r:id="rId7"/>
     <p:sldId id="292" r:id="rId8"/>
-    <p:sldId id="265" r:id="rId9"/>
-    <p:sldId id="293" r:id="rId10"/>
-    <p:sldId id="294" r:id="rId11"/>
-    <p:sldId id="291" r:id="rId12"/>
-    <p:sldId id="271" r:id="rId13"/>
-    <p:sldId id="259" r:id="rId14"/>
+    <p:sldId id="295" r:id="rId9"/>
+    <p:sldId id="265" r:id="rId10"/>
+    <p:sldId id="293" r:id="rId11"/>
+    <p:sldId id="294" r:id="rId12"/>
+    <p:sldId id="291" r:id="rId13"/>
+    <p:sldId id="271" r:id="rId14"/>
+    <p:sldId id="259" r:id="rId15"/>
   </p:sldIdLst>
   <p:sldSz cx="9144000" cy="6858000" type="screen4x3"/>
   <p:notesSz cx="6858000" cy="9144000"/>
@@ -3471,15 +3472,15 @@
                   <a:srgbClr val="FFFF00"/>
                 </a:solidFill>
               </a:rPr>
-              <a:t>1 Angular/Java </a:t>
-            </a:r>
-            <a:r>
-              <a:rPr lang="en-US" altLang="zh-TW" sz="4800" b="1" dirty="0" err="1" smtClean="0">
+              <a:t>1 </a:t>
+            </a:r>
+            <a:r>
+              <a:rPr lang="en-US" altLang="zh-TW" sz="4800" b="1" dirty="0" smtClean="0">
                 <a:solidFill>
                   <a:srgbClr val="FFFF00"/>
                 </a:solidFill>
               </a:rPr>
-              <a:t>Fullstack</a:t>
+              <a:t>Angular, Node, and MySQL</a:t>
             </a:r>
             <a:endParaRPr lang="zh-TW" altLang="en-US" sz="4800" b="1" dirty="0">
               <a:solidFill>
@@ -3608,6 +3609,378 @@
 </file>
 
 <file path=ppt/slides/slide10.xml><?xml version="1.0" encoding="utf-8"?>
+<p:sld xmlns:a="http://schemas.openxmlformats.org/drawingml/2006/main" xmlns:r="http://schemas.openxmlformats.org/officeDocument/2006/relationships" xmlns:p="http://schemas.openxmlformats.org/presentationml/2006/main">
+  <p:cSld>
+    <p:spTree>
+      <p:nvGrpSpPr>
+        <p:cNvPr id="1" name=""/>
+        <p:cNvGrpSpPr/>
+        <p:nvPr/>
+      </p:nvGrpSpPr>
+      <p:grpSpPr>
+        <a:xfrm>
+          <a:off x="0" y="0"/>
+          <a:ext cx="0" cy="0"/>
+          <a:chOff x="0" y="0"/>
+          <a:chExt cx="0" cy="0"/>
+        </a:xfrm>
+      </p:grpSpPr>
+      <p:pic>
+        <p:nvPicPr>
+          <p:cNvPr id="2050" name="Picture 2"/>
+          <p:cNvPicPr>
+            <a:picLocks noChangeAspect="1" noChangeArrowheads="1"/>
+          </p:cNvPicPr>
+          <p:nvPr/>
+        </p:nvPicPr>
+        <p:blipFill>
+          <a:blip r:embed="rId2" cstate="print"/>
+          <a:srcRect/>
+          <a:stretch>
+            <a:fillRect/>
+          </a:stretch>
+        </p:blipFill>
+        <p:spPr bwMode="auto">
+          <a:xfrm>
+            <a:off x="467544" y="1844824"/>
+            <a:ext cx="5292080" cy="2949304"/>
+          </a:xfrm>
+          <a:prstGeom prst="rect">
+            <a:avLst/>
+          </a:prstGeom>
+          <a:noFill/>
+          <a:ln w="9525">
+            <a:solidFill>
+              <a:srgbClr val="C00000"/>
+            </a:solidFill>
+            <a:miter lim="800000"/>
+            <a:headEnd/>
+            <a:tailEnd/>
+          </a:ln>
+        </p:spPr>
+      </p:pic>
+      <p:pic>
+        <p:nvPicPr>
+          <p:cNvPr id="2052" name="Picture 4"/>
+          <p:cNvPicPr>
+            <a:picLocks noChangeAspect="1" noChangeArrowheads="1"/>
+          </p:cNvPicPr>
+          <p:nvPr/>
+        </p:nvPicPr>
+        <p:blipFill>
+          <a:blip r:embed="rId3" cstate="print"/>
+          <a:srcRect/>
+          <a:stretch>
+            <a:fillRect/>
+          </a:stretch>
+        </p:blipFill>
+        <p:spPr bwMode="auto">
+          <a:xfrm>
+            <a:off x="2267744" y="2492896"/>
+            <a:ext cx="6225606" cy="3517875"/>
+          </a:xfrm>
+          <a:prstGeom prst="rect">
+            <a:avLst/>
+          </a:prstGeom>
+          <a:noFill/>
+          <a:ln w="9525">
+            <a:solidFill>
+              <a:srgbClr val="C00000"/>
+            </a:solidFill>
+            <a:miter lim="800000"/>
+            <a:headEnd/>
+            <a:tailEnd/>
+          </a:ln>
+        </p:spPr>
+      </p:pic>
+      <p:sp>
+        <p:nvSpPr>
+          <p:cNvPr id="2" name="標題 1"/>
+          <p:cNvSpPr>
+            <a:spLocks noGrp="1"/>
+          </p:cNvSpPr>
+          <p:nvPr>
+            <p:ph type="ctrTitle"/>
+          </p:nvPr>
+        </p:nvSpPr>
+        <p:spPr>
+          <a:xfrm>
+            <a:off x="0" y="1"/>
+            <a:ext cx="9144000" cy="764704"/>
+          </a:xfrm>
+          <a:gradFill flip="none" rotWithShape="1">
+            <a:gsLst>
+              <a:gs pos="0">
+                <a:srgbClr val="C00000">
+                  <a:shade val="30000"/>
+                  <a:satMod val="115000"/>
+                </a:srgbClr>
+              </a:gs>
+              <a:gs pos="50000">
+                <a:srgbClr val="C00000">
+                  <a:shade val="67500"/>
+                  <a:satMod val="115000"/>
+                </a:srgbClr>
+              </a:gs>
+              <a:gs pos="100000">
+                <a:srgbClr val="C00000">
+                  <a:shade val="100000"/>
+                  <a:satMod val="115000"/>
+                </a:srgbClr>
+              </a:gs>
+            </a:gsLst>
+            <a:path path="circle">
+              <a:fillToRect t="100000" r="100000"/>
+            </a:path>
+            <a:tileRect l="-100000" b="-100000"/>
+          </a:gradFill>
+        </p:spPr>
+        <p:txBody>
+          <a:bodyPr>
+            <a:normAutofit/>
+          </a:bodyPr>
+          <a:lstStyle/>
+          <a:p>
+            <a:pPr algn="l"/>
+            <a:r>
+              <a:rPr lang="en-US" altLang="zh-TW" b="1" dirty="0" smtClean="0">
+                <a:solidFill>
+                  <a:srgbClr val="FFFF00"/>
+                </a:solidFill>
+              </a:rPr>
+              <a:t>1.1 Download STS</a:t>
+            </a:r>
+            <a:endParaRPr lang="zh-TW" altLang="en-US" b="1" dirty="0">
+              <a:solidFill>
+                <a:srgbClr val="FFFF00"/>
+              </a:solidFill>
+            </a:endParaRPr>
+          </a:p>
+        </p:txBody>
+      </p:sp>
+      <p:sp>
+        <p:nvSpPr>
+          <p:cNvPr id="3" name="副標題 2"/>
+          <p:cNvSpPr>
+            <a:spLocks noGrp="1"/>
+          </p:cNvSpPr>
+          <p:nvPr>
+            <p:ph type="subTitle" idx="1"/>
+          </p:nvPr>
+        </p:nvSpPr>
+        <p:spPr>
+          <a:xfrm>
+            <a:off x="467544" y="1340768"/>
+            <a:ext cx="8352928" cy="360040"/>
+          </a:xfrm>
+          <a:ln>
+            <a:solidFill>
+              <a:srgbClr val="C00000"/>
+            </a:solidFill>
+          </a:ln>
+        </p:spPr>
+        <p:txBody>
+          <a:bodyPr>
+            <a:noAutofit/>
+          </a:bodyPr>
+          <a:lstStyle/>
+          <a:p>
+            <a:pPr marL="342900" indent="-342900" algn="l">
+              <a:buClr>
+                <a:srgbClr val="0070C0"/>
+              </a:buClr>
+              <a:buSzPct val="80000"/>
+              <a:buFont typeface="Wingdings" pitchFamily="2" charset="2"/>
+              <a:buChar char="u"/>
+            </a:pPr>
+            <a:r>
+              <a:rPr lang="en-US" altLang="zh-TW" sz="1600" b="1" dirty="0" smtClean="0">
+                <a:solidFill>
+                  <a:schemeClr val="tx1"/>
+                </a:solidFill>
+                <a:latin typeface="+mj-lt"/>
+              </a:rPr>
+              <a:t>Community Server.</a:t>
+            </a:r>
+            <a:endParaRPr lang="en-US" altLang="zh-TW" sz="1600" dirty="0" smtClean="0">
+              <a:solidFill>
+                <a:schemeClr val="tx1"/>
+              </a:solidFill>
+              <a:latin typeface="+mj-lt"/>
+            </a:endParaRPr>
+          </a:p>
+        </p:txBody>
+      </p:sp>
+      <p:sp>
+        <p:nvSpPr>
+          <p:cNvPr id="4" name="標題 1"/>
+          <p:cNvSpPr txBox="1">
+            <a:spLocks/>
+          </p:cNvSpPr>
+          <p:nvPr/>
+        </p:nvSpPr>
+        <p:spPr>
+          <a:xfrm>
+            <a:off x="0" y="764704"/>
+            <a:ext cx="9144000" cy="398616"/>
+          </a:xfrm>
+          <a:prstGeom prst="rect">
+            <a:avLst/>
+          </a:prstGeom>
+          <a:gradFill flip="none" rotWithShape="1">
+            <a:gsLst>
+              <a:gs pos="0">
+                <a:srgbClr val="00B0F0">
+                  <a:shade val="30000"/>
+                  <a:satMod val="115000"/>
+                </a:srgbClr>
+              </a:gs>
+              <a:gs pos="50000">
+                <a:srgbClr val="00B0F0">
+                  <a:shade val="67500"/>
+                  <a:satMod val="115000"/>
+                </a:srgbClr>
+              </a:gs>
+              <a:gs pos="100000">
+                <a:srgbClr val="00B0F0">
+                  <a:shade val="100000"/>
+                  <a:satMod val="115000"/>
+                </a:srgbClr>
+              </a:gs>
+            </a:gsLst>
+            <a:path path="circle">
+              <a:fillToRect t="100000" r="100000"/>
+            </a:path>
+            <a:tileRect l="-100000" b="-100000"/>
+          </a:gradFill>
+        </p:spPr>
+        <p:txBody>
+          <a:bodyPr vert="horz" lIns="91440" tIns="45720" rIns="91440" bIns="45720" rtlCol="0" anchor="ctr">
+            <a:normAutofit/>
+          </a:bodyPr>
+          <a:lstStyle/>
+          <a:p>
+            <a:r>
+              <a:rPr lang="en-US" altLang="zh-TW" sz="1600" b="1" i="1" dirty="0" smtClean="0"/>
+              <a:t>https://www.apress.com/us/book/9781484231975</a:t>
+            </a:r>
+            <a:endParaRPr lang="en-US" altLang="zh-TW" sz="1600" b="1" i="1" dirty="0"/>
+          </a:p>
+        </p:txBody>
+      </p:sp>
+      <p:sp>
+        <p:nvSpPr>
+          <p:cNvPr id="5" name="日期版面配置區 4"/>
+          <p:cNvSpPr>
+            <a:spLocks noGrp="1"/>
+          </p:cNvSpPr>
+          <p:nvPr>
+            <p:ph type="dt" sz="half" idx="10"/>
+          </p:nvPr>
+        </p:nvSpPr>
+        <p:spPr>
+          <a:xfrm>
+            <a:off x="457200" y="6356350"/>
+            <a:ext cx="2133600" cy="404246"/>
+          </a:xfrm>
+        </p:spPr>
+        <p:txBody>
+          <a:bodyPr/>
+          <a:lstStyle/>
+          <a:p>
+            <a:fld id="{A4F910E6-8D00-4BAF-8C48-9688E0B449D3}" type="datetime1">
+              <a:rPr lang="zh-TW" altLang="en-US" smtClean="0"/>
+              <a:pPr/>
+              <a:t>2018/11/28</a:t>
+            </a:fld>
+            <a:endParaRPr lang="zh-TW" altLang="en-US"/>
+          </a:p>
+        </p:txBody>
+      </p:sp>
+      <p:sp>
+        <p:nvSpPr>
+          <p:cNvPr id="6" name="投影片編號版面配置區 5"/>
+          <p:cNvSpPr>
+            <a:spLocks noGrp="1"/>
+          </p:cNvSpPr>
+          <p:nvPr>
+            <p:ph type="sldNum" sz="quarter" idx="12"/>
+          </p:nvPr>
+        </p:nvSpPr>
+        <p:spPr>
+          <a:xfrm>
+            <a:off x="6553200" y="6356350"/>
+            <a:ext cx="2133600" cy="404246"/>
+          </a:xfrm>
+        </p:spPr>
+        <p:txBody>
+          <a:bodyPr/>
+          <a:lstStyle/>
+          <a:p>
+            <a:fld id="{E4D7E63D-91F2-4366-A2C4-1B00C9E2590E}" type="slidenum">
+              <a:rPr lang="zh-TW" altLang="en-US" smtClean="0"/>
+              <a:pPr/>
+              <a:t>10</a:t>
+            </a:fld>
+            <a:endParaRPr lang="zh-TW" altLang="en-US"/>
+          </a:p>
+        </p:txBody>
+      </p:sp>
+      <p:sp>
+        <p:nvSpPr>
+          <p:cNvPr id="12" name="矩形 11"/>
+          <p:cNvSpPr/>
+          <p:nvPr/>
+        </p:nvSpPr>
+        <p:spPr>
+          <a:xfrm>
+            <a:off x="6732240" y="5661248"/>
+            <a:ext cx="1152128" cy="216024"/>
+          </a:xfrm>
+          <a:prstGeom prst="rect">
+            <a:avLst/>
+          </a:prstGeom>
+          <a:noFill/>
+          <a:ln>
+            <a:solidFill>
+              <a:srgbClr val="C00000"/>
+            </a:solidFill>
+          </a:ln>
+        </p:spPr>
+        <p:style>
+          <a:lnRef idx="2">
+            <a:schemeClr val="accent1">
+              <a:shade val="50000"/>
+            </a:schemeClr>
+          </a:lnRef>
+          <a:fillRef idx="1">
+            <a:schemeClr val="accent1"/>
+          </a:fillRef>
+          <a:effectRef idx="0">
+            <a:schemeClr val="accent1"/>
+          </a:effectRef>
+          <a:fontRef idx="minor">
+            <a:schemeClr val="lt1"/>
+          </a:fontRef>
+        </p:style>
+        <p:txBody>
+          <a:bodyPr rtlCol="0" anchor="ctr"/>
+          <a:lstStyle/>
+          <a:p>
+            <a:pPr algn="ctr"/>
+            <a:endParaRPr lang="zh-TW" altLang="en-US"/>
+          </a:p>
+        </p:txBody>
+      </p:sp>
+    </p:spTree>
+  </p:cSld>
+  <p:clrMapOvr>
+    <a:masterClrMapping/>
+  </p:clrMapOvr>
+</p:sld>
+</file>
+
+<file path=ppt/slides/slide11.xml><?xml version="1.0" encoding="utf-8"?>
 <p:sld xmlns:a="http://schemas.openxmlformats.org/drawingml/2006/main" xmlns:r="http://schemas.openxmlformats.org/officeDocument/2006/relationships" xmlns:p="http://schemas.openxmlformats.org/presentationml/2006/main">
   <p:cSld>
     <p:spTree>
@@ -3919,7 +4292,7 @@
             <a:fld id="{E4D7E63D-91F2-4366-A2C4-1B00C9E2590E}" type="slidenum">
               <a:rPr lang="zh-TW" altLang="en-US" smtClean="0"/>
               <a:pPr/>
-              <a:t>10</a:t>
+              <a:t>11</a:t>
             </a:fld>
             <a:endParaRPr lang="zh-TW" altLang="en-US"/>
           </a:p>
@@ -3979,7 +4352,7 @@
 </p:sld>
 </file>
 
-<file path=ppt/slides/slide11.xml><?xml version="1.0" encoding="utf-8"?>
+<file path=ppt/slides/slide12.xml><?xml version="1.0" encoding="utf-8"?>
 <p:sld xmlns:a="http://schemas.openxmlformats.org/drawingml/2006/main" xmlns:r="http://schemas.openxmlformats.org/officeDocument/2006/relationships" xmlns:p="http://schemas.openxmlformats.org/presentationml/2006/main">
   <p:cSld>
     <p:spTree>
@@ -4103,16 +4476,7 @@
                 </a:solidFill>
                 <a:latin typeface="+mj-lt"/>
               </a:rPr>
-              <a:t>Go To: https</a:t>
-            </a:r>
-            <a:r>
-              <a:rPr lang="en-US" altLang="zh-TW" sz="1600" b="1" dirty="0" smtClean="0">
-                <a:solidFill>
-                  <a:schemeClr val="tx1"/>
-                </a:solidFill>
-                <a:latin typeface="+mj-lt"/>
-              </a:rPr>
-              <a:t>://dev.mysql.com/downloads/</a:t>
+              <a:t>Go To: https://dev.mysql.com/downloads/</a:t>
             </a:r>
             <a:endParaRPr lang="en-US" altLang="zh-TW" sz="1600" dirty="0" smtClean="0">
               <a:solidFill>
@@ -4232,7 +4596,7 @@
             <a:fld id="{E4D7E63D-91F2-4366-A2C4-1B00C9E2590E}" type="slidenum">
               <a:rPr lang="zh-TW" altLang="en-US" smtClean="0"/>
               <a:pPr/>
-              <a:t>11</a:t>
+              <a:t>12</a:t>
             </a:fld>
             <a:endParaRPr lang="zh-TW" altLang="en-US"/>
           </a:p>
@@ -4266,152 +4630,6 @@
             <a:solidFill>
               <a:srgbClr val="C00000"/>
             </a:solidFill>
-            <a:miter lim="800000"/>
-            <a:headEnd/>
-            <a:tailEnd/>
-          </a:ln>
-        </p:spPr>
-      </p:pic>
-    </p:spTree>
-  </p:cSld>
-  <p:clrMapOvr>
-    <a:masterClrMapping/>
-  </p:clrMapOvr>
-</p:sld>
-</file>
-
-<file path=ppt/slides/slide12.xml><?xml version="1.0" encoding="utf-8"?>
-<p:sld xmlns:a="http://schemas.openxmlformats.org/drawingml/2006/main" xmlns:r="http://schemas.openxmlformats.org/officeDocument/2006/relationships" xmlns:p="http://schemas.openxmlformats.org/presentationml/2006/main">
-  <p:cSld>
-    <p:spTree>
-      <p:nvGrpSpPr>
-        <p:cNvPr id="1" name=""/>
-        <p:cNvGrpSpPr/>
-        <p:nvPr/>
-      </p:nvGrpSpPr>
-      <p:grpSpPr>
-        <a:xfrm>
-          <a:off x="0" y="0"/>
-          <a:ext cx="0" cy="0"/>
-          <a:chOff x="0" y="0"/>
-          <a:chExt cx="0" cy="0"/>
-        </a:xfrm>
-      </p:grpSpPr>
-      <p:sp>
-        <p:nvSpPr>
-          <p:cNvPr id="2" name="標題 1"/>
-          <p:cNvSpPr>
-            <a:spLocks noGrp="1"/>
-          </p:cNvSpPr>
-          <p:nvPr>
-            <p:ph type="ctrTitle"/>
-          </p:nvPr>
-        </p:nvSpPr>
-        <p:spPr>
-          <a:xfrm>
-            <a:off x="0" y="2130425"/>
-            <a:ext cx="9144000" cy="1470025"/>
-          </a:xfrm>
-          <a:solidFill>
-            <a:srgbClr val="00B0F0"/>
-          </a:solidFill>
-        </p:spPr>
-        <p:txBody>
-          <a:bodyPr>
-            <a:normAutofit/>
-          </a:bodyPr>
-          <a:lstStyle/>
-          <a:p>
-            <a:r>
-              <a:rPr lang="en-US" altLang="zh-TW" sz="4800" b="1" dirty="0" smtClean="0">
-                <a:solidFill>
-                  <a:srgbClr val="FFFF00"/>
-                </a:solidFill>
-              </a:rPr>
-              <a:t>1.3 Start STS</a:t>
-            </a:r>
-            <a:endParaRPr lang="zh-TW" altLang="en-US" sz="4800" b="1" dirty="0">
-              <a:solidFill>
-                <a:srgbClr val="FFFF00"/>
-              </a:solidFill>
-            </a:endParaRPr>
-          </a:p>
-        </p:txBody>
-      </p:sp>
-      <p:sp>
-        <p:nvSpPr>
-          <p:cNvPr id="5" name="日期版面配置區 4"/>
-          <p:cNvSpPr>
-            <a:spLocks noGrp="1"/>
-          </p:cNvSpPr>
-          <p:nvPr>
-            <p:ph type="dt" sz="half" idx="10"/>
-          </p:nvPr>
-        </p:nvSpPr>
-        <p:spPr/>
-        <p:txBody>
-          <a:bodyPr/>
-          <a:lstStyle/>
-          <a:p>
-            <a:fld id="{C389EDC9-19E3-47AC-9C57-C6A24DEA81AD}" type="datetime1">
-              <a:rPr lang="zh-TW" altLang="en-US" smtClean="0"/>
-              <a:pPr/>
-              <a:t>2018/11/28</a:t>
-            </a:fld>
-            <a:endParaRPr lang="zh-TW" altLang="en-US"/>
-          </a:p>
-        </p:txBody>
-      </p:sp>
-      <p:sp>
-        <p:nvSpPr>
-          <p:cNvPr id="6" name="投影片編號版面配置區 5"/>
-          <p:cNvSpPr>
-            <a:spLocks noGrp="1"/>
-          </p:cNvSpPr>
-          <p:nvPr>
-            <p:ph type="sldNum" sz="quarter" idx="12"/>
-          </p:nvPr>
-        </p:nvSpPr>
-        <p:spPr/>
-        <p:txBody>
-          <a:bodyPr/>
-          <a:lstStyle/>
-          <a:p>
-            <a:fld id="{E4D7E63D-91F2-4366-A2C4-1B00C9E2590E}" type="slidenum">
-              <a:rPr lang="zh-TW" altLang="en-US" smtClean="0"/>
-              <a:pPr/>
-              <a:t>12</a:t>
-            </a:fld>
-            <a:endParaRPr lang="zh-TW" altLang="en-US"/>
-          </a:p>
-        </p:txBody>
-      </p:sp>
-      <p:pic>
-        <p:nvPicPr>
-          <p:cNvPr id="1026" name="Picture 2"/>
-          <p:cNvPicPr>
-            <a:picLocks noChangeAspect="1" noChangeArrowheads="1"/>
-          </p:cNvPicPr>
-          <p:nvPr/>
-        </p:nvPicPr>
-        <p:blipFill>
-          <a:blip r:embed="rId2" cstate="print"/>
-          <a:srcRect/>
-          <a:stretch>
-            <a:fillRect/>
-          </a:stretch>
-        </p:blipFill>
-        <p:spPr bwMode="auto">
-          <a:xfrm>
-            <a:off x="3995936" y="3717032"/>
-            <a:ext cx="648072" cy="635844"/>
-          </a:xfrm>
-          <a:prstGeom prst="rect">
-            <a:avLst/>
-          </a:prstGeom>
-          <a:noFill/>
-          <a:ln w="9525">
-            <a:noFill/>
             <a:miter lim="800000"/>
             <a:headEnd/>
             <a:tailEnd/>
@@ -4458,6 +4676,152 @@
             <a:off x="0" y="2130425"/>
             <a:ext cx="9144000" cy="1470025"/>
           </a:xfrm>
+          <a:solidFill>
+            <a:srgbClr val="00B0F0"/>
+          </a:solidFill>
+        </p:spPr>
+        <p:txBody>
+          <a:bodyPr>
+            <a:normAutofit/>
+          </a:bodyPr>
+          <a:lstStyle/>
+          <a:p>
+            <a:r>
+              <a:rPr lang="en-US" altLang="zh-TW" sz="4800" b="1" dirty="0" smtClean="0">
+                <a:solidFill>
+                  <a:srgbClr val="FFFF00"/>
+                </a:solidFill>
+              </a:rPr>
+              <a:t>1.3 Start STS</a:t>
+            </a:r>
+            <a:endParaRPr lang="zh-TW" altLang="en-US" sz="4800" b="1" dirty="0">
+              <a:solidFill>
+                <a:srgbClr val="FFFF00"/>
+              </a:solidFill>
+            </a:endParaRPr>
+          </a:p>
+        </p:txBody>
+      </p:sp>
+      <p:sp>
+        <p:nvSpPr>
+          <p:cNvPr id="5" name="日期版面配置區 4"/>
+          <p:cNvSpPr>
+            <a:spLocks noGrp="1"/>
+          </p:cNvSpPr>
+          <p:nvPr>
+            <p:ph type="dt" sz="half" idx="10"/>
+          </p:nvPr>
+        </p:nvSpPr>
+        <p:spPr/>
+        <p:txBody>
+          <a:bodyPr/>
+          <a:lstStyle/>
+          <a:p>
+            <a:fld id="{C389EDC9-19E3-47AC-9C57-C6A24DEA81AD}" type="datetime1">
+              <a:rPr lang="zh-TW" altLang="en-US" smtClean="0"/>
+              <a:pPr/>
+              <a:t>2018/11/28</a:t>
+            </a:fld>
+            <a:endParaRPr lang="zh-TW" altLang="en-US"/>
+          </a:p>
+        </p:txBody>
+      </p:sp>
+      <p:sp>
+        <p:nvSpPr>
+          <p:cNvPr id="6" name="投影片編號版面配置區 5"/>
+          <p:cNvSpPr>
+            <a:spLocks noGrp="1"/>
+          </p:cNvSpPr>
+          <p:nvPr>
+            <p:ph type="sldNum" sz="quarter" idx="12"/>
+          </p:nvPr>
+        </p:nvSpPr>
+        <p:spPr/>
+        <p:txBody>
+          <a:bodyPr/>
+          <a:lstStyle/>
+          <a:p>
+            <a:fld id="{E4D7E63D-91F2-4366-A2C4-1B00C9E2590E}" type="slidenum">
+              <a:rPr lang="zh-TW" altLang="en-US" smtClean="0"/>
+              <a:pPr/>
+              <a:t>13</a:t>
+            </a:fld>
+            <a:endParaRPr lang="zh-TW" altLang="en-US"/>
+          </a:p>
+        </p:txBody>
+      </p:sp>
+      <p:pic>
+        <p:nvPicPr>
+          <p:cNvPr id="1026" name="Picture 2"/>
+          <p:cNvPicPr>
+            <a:picLocks noChangeAspect="1" noChangeArrowheads="1"/>
+          </p:cNvPicPr>
+          <p:nvPr/>
+        </p:nvPicPr>
+        <p:blipFill>
+          <a:blip r:embed="rId2" cstate="print"/>
+          <a:srcRect/>
+          <a:stretch>
+            <a:fillRect/>
+          </a:stretch>
+        </p:blipFill>
+        <p:spPr bwMode="auto">
+          <a:xfrm>
+            <a:off x="3995936" y="3717032"/>
+            <a:ext cx="648072" cy="635844"/>
+          </a:xfrm>
+          <a:prstGeom prst="rect">
+            <a:avLst/>
+          </a:prstGeom>
+          <a:noFill/>
+          <a:ln w="9525">
+            <a:noFill/>
+            <a:miter lim="800000"/>
+            <a:headEnd/>
+            <a:tailEnd/>
+          </a:ln>
+        </p:spPr>
+      </p:pic>
+    </p:spTree>
+  </p:cSld>
+  <p:clrMapOvr>
+    <a:masterClrMapping/>
+  </p:clrMapOvr>
+</p:sld>
+</file>
+
+<file path=ppt/slides/slide14.xml><?xml version="1.0" encoding="utf-8"?>
+<p:sld xmlns:a="http://schemas.openxmlformats.org/drawingml/2006/main" xmlns:r="http://schemas.openxmlformats.org/officeDocument/2006/relationships" xmlns:p="http://schemas.openxmlformats.org/presentationml/2006/main">
+  <p:cSld>
+    <p:spTree>
+      <p:nvGrpSpPr>
+        <p:cNvPr id="1" name=""/>
+        <p:cNvGrpSpPr/>
+        <p:nvPr/>
+      </p:nvGrpSpPr>
+      <p:grpSpPr>
+        <a:xfrm>
+          <a:off x="0" y="0"/>
+          <a:ext cx="0" cy="0"/>
+          <a:chOff x="0" y="0"/>
+          <a:chExt cx="0" cy="0"/>
+        </a:xfrm>
+      </p:grpSpPr>
+      <p:sp>
+        <p:nvSpPr>
+          <p:cNvPr id="2" name="標題 1"/>
+          <p:cNvSpPr>
+            <a:spLocks noGrp="1"/>
+          </p:cNvSpPr>
+          <p:nvPr>
+            <p:ph type="ctrTitle"/>
+          </p:nvPr>
+        </p:nvSpPr>
+        <p:spPr>
+          <a:xfrm>
+            <a:off x="0" y="2130425"/>
+            <a:ext cx="9144000" cy="1470025"/>
+          </a:xfrm>
           <a:gradFill flip="none" rotWithShape="1">
             <a:gsLst>
               <a:gs pos="0">
@@ -4549,7 +4913,7 @@
             <a:fld id="{E4D7E63D-91F2-4366-A2C4-1B00C9E2590E}" type="slidenum">
               <a:rPr lang="zh-TW" altLang="en-US" smtClean="0"/>
               <a:pPr/>
-              <a:t>13</a:t>
+              <a:t>14</a:t>
             </a:fld>
             <a:endParaRPr lang="zh-TW" altLang="en-US"/>
           </a:p>
@@ -4635,15 +4999,15 @@
                   <a:srgbClr val="FFFF00"/>
                 </a:solidFill>
               </a:rPr>
-              <a:t>1 Angular/Java </a:t>
-            </a:r>
-            <a:r>
-              <a:rPr lang="en-US" altLang="zh-TW" b="1" dirty="0" err="1" smtClean="0">
+              <a:t>1 </a:t>
+            </a:r>
+            <a:r>
+              <a:rPr lang="en-US" altLang="zh-TW" b="1" dirty="0" smtClean="0">
                 <a:solidFill>
                   <a:srgbClr val="FFFF00"/>
                 </a:solidFill>
               </a:rPr>
-              <a:t>Fullstack</a:t>
+              <a:t>Angular, Node, and MySQL </a:t>
             </a:r>
             <a:endParaRPr lang="zh-TW" altLang="en-US" b="1" dirty="0">
               <a:solidFill>
@@ -5086,15 +5450,7 @@
                   <a:srgbClr val="FFFF00"/>
                 </a:solidFill>
               </a:rPr>
-              <a:t>1 Angular/Java </a:t>
-            </a:r>
-            <a:r>
-              <a:rPr lang="en-US" altLang="zh-TW" b="1" dirty="0" err="1" smtClean="0">
-                <a:solidFill>
-                  <a:srgbClr val="FFFF00"/>
-                </a:solidFill>
-              </a:rPr>
-              <a:t>Fullstack</a:t>
+              <a:t>1 Angular, Node, and MySQL </a:t>
             </a:r>
             <a:endParaRPr lang="zh-TW" altLang="en-US" b="1" dirty="0">
               <a:solidFill>
@@ -5603,15 +5959,7 @@
                   <a:srgbClr val="FFFF00"/>
                 </a:solidFill>
               </a:rPr>
-              <a:t>1 Angular/Java </a:t>
-            </a:r>
-            <a:r>
-              <a:rPr lang="en-US" altLang="zh-TW" b="1" dirty="0" err="1" smtClean="0">
-                <a:solidFill>
-                  <a:srgbClr val="FFFF00"/>
-                </a:solidFill>
-              </a:rPr>
-              <a:t>Fullstack</a:t>
+              <a:t>1 Angular, Node, and MySQL </a:t>
             </a:r>
             <a:endParaRPr lang="zh-TW" altLang="en-US" b="1" dirty="0">
               <a:solidFill>
@@ -6040,15 +6388,7 @@
                   <a:srgbClr val="FFFF00"/>
                 </a:solidFill>
               </a:rPr>
-              <a:t>1 Angular/Java </a:t>
-            </a:r>
-            <a:r>
-              <a:rPr lang="en-US" altLang="zh-TW" b="1" dirty="0" err="1" smtClean="0">
-                <a:solidFill>
-                  <a:srgbClr val="FFFF00"/>
-                </a:solidFill>
-              </a:rPr>
-              <a:t>Fullstack</a:t>
+              <a:t>1 Angular, Node, and MySQL </a:t>
             </a:r>
             <a:endParaRPr lang="zh-TW" altLang="en-US" b="1" dirty="0">
               <a:solidFill>
@@ -6679,7 +7019,7 @@
         </p:nvSpPr>
         <p:spPr>
           <a:xfrm>
-            <a:off x="4499992" y="4437112"/>
+            <a:off x="4499992" y="4725144"/>
             <a:ext cx="1656184" cy="576064"/>
           </a:xfrm>
           <a:prstGeom prst="rect">
@@ -6735,7 +7075,7 @@
         </p:nvSpPr>
         <p:spPr>
           <a:xfrm>
-            <a:off x="4499992" y="5013176"/>
+            <a:off x="4499992" y="5301208"/>
             <a:ext cx="1656184" cy="576064"/>
           </a:xfrm>
           <a:prstGeom prst="rect">
@@ -6773,63 +7113,7 @@
                   <a:schemeClr val="tx1"/>
                 </a:solidFill>
               </a:rPr>
-              <a:t>Spring Boot</a:t>
-            </a:r>
-            <a:endParaRPr lang="zh-TW" altLang="en-US" dirty="0">
-              <a:solidFill>
-                <a:schemeClr val="tx1"/>
-              </a:solidFill>
-            </a:endParaRPr>
-          </a:p>
-        </p:txBody>
-      </p:sp>
-      <p:sp>
-        <p:nvSpPr>
-          <p:cNvPr id="24" name="矩形 23"/>
-          <p:cNvSpPr/>
-          <p:nvPr/>
-        </p:nvSpPr>
-        <p:spPr>
-          <a:xfrm>
-            <a:off x="4499992" y="5589240"/>
-            <a:ext cx="1656184" cy="576064"/>
-          </a:xfrm>
-          <a:prstGeom prst="rect">
-            <a:avLst/>
-          </a:prstGeom>
-          <a:ln>
-            <a:solidFill>
-              <a:srgbClr val="C00000"/>
-            </a:solidFill>
-          </a:ln>
-        </p:spPr>
-        <p:style>
-          <a:lnRef idx="2">
-            <a:schemeClr val="accent1">
-              <a:shade val="50000"/>
-            </a:schemeClr>
-          </a:lnRef>
-          <a:fillRef idx="1">
-            <a:schemeClr val="accent1"/>
-          </a:fillRef>
-          <a:effectRef idx="0">
-            <a:schemeClr val="accent1"/>
-          </a:effectRef>
-          <a:fontRef idx="minor">
-            <a:schemeClr val="lt1"/>
-          </a:fontRef>
-        </p:style>
-        <p:txBody>
-          <a:bodyPr rtlCol="0" anchor="ctr"/>
-          <a:lstStyle/>
-          <a:p>
-            <a:r>
-              <a:rPr lang="en-US" altLang="zh-TW" dirty="0" smtClean="0">
-                <a:solidFill>
-                  <a:schemeClr val="tx1"/>
-                </a:solidFill>
-              </a:rPr>
-              <a:t>Java</a:t>
+              <a:t>NodeJS</a:t>
             </a:r>
             <a:endParaRPr lang="zh-TW" altLang="en-US" dirty="0">
               <a:solidFill>
@@ -6939,15 +7223,15 @@
                   <a:srgbClr val="FFFF00"/>
                 </a:solidFill>
               </a:rPr>
-              <a:t>1.1 Spring </a:t>
-            </a:r>
-            <a:r>
-              <a:rPr lang="en-US" altLang="zh-TW" sz="4800" b="1" dirty="0" err="1" smtClean="0">
+              <a:t>1.1 </a:t>
+            </a:r>
+            <a:r>
+              <a:rPr lang="en-US" altLang="zh-TW" sz="4800" b="1" dirty="0" smtClean="0">
                 <a:solidFill>
                   <a:srgbClr val="FFFF00"/>
                 </a:solidFill>
               </a:rPr>
-              <a:t>Intializr</a:t>
+              <a:t>MySQL</a:t>
             </a:r>
             <a:endParaRPr lang="zh-TW" altLang="en-US" sz="4800" b="1" dirty="0">
               <a:solidFill>
@@ -7117,7 +7401,15 @@
                   <a:srgbClr val="FFFF00"/>
                 </a:solidFill>
               </a:rPr>
-              <a:t>1.1 Download STS</a:t>
+              <a:t>1.1 </a:t>
+            </a:r>
+            <a:r>
+              <a:rPr lang="en-US" altLang="zh-TW" b="1" dirty="0" smtClean="0">
+                <a:solidFill>
+                  <a:srgbClr val="FFFF00"/>
+                </a:solidFill>
+              </a:rPr>
+              <a:t>MySQL</a:t>
             </a:r>
             <a:endParaRPr lang="zh-TW" altLang="en-US" b="1" dirty="0">
               <a:solidFill>
@@ -7140,7 +7432,7 @@
         <p:spPr>
           <a:xfrm>
             <a:off x="467544" y="1340768"/>
-            <a:ext cx="8352928" cy="360040"/>
+            <a:ext cx="8352928" cy="1008112"/>
           </a:xfrm>
           <a:ln>
             <a:solidFill>
@@ -7169,7 +7461,16 @@
                 </a:solidFill>
                 <a:latin typeface="+mj-lt"/>
               </a:rPr>
-              <a:t>Go To: https</a:t>
+              <a:t>Before installation, if you have </a:t>
+            </a:r>
+            <a:r>
+              <a:rPr lang="en-US" altLang="zh-TW" sz="1600" b="1" dirty="0" err="1" smtClean="0">
+                <a:solidFill>
+                  <a:schemeClr val="tx1"/>
+                </a:solidFill>
+                <a:latin typeface="+mj-lt"/>
+              </a:rPr>
+              <a:t>MariaDB</a:t>
             </a:r>
             <a:r>
               <a:rPr lang="en-US" altLang="zh-TW" sz="1600" b="1" dirty="0" smtClean="0">
@@ -7178,7 +7479,62 @@
                 </a:solidFill>
                 <a:latin typeface="+mj-lt"/>
               </a:rPr>
-              <a:t>://dev.mysql.com/downloads/</a:t>
+              <a:t> on your system, we need to remove it. </a:t>
+            </a:r>
+            <a:r>
+              <a:rPr lang="en-US" altLang="zh-TW" sz="1600" b="1" dirty="0" err="1" smtClean="0">
+                <a:solidFill>
+                  <a:schemeClr val="tx1"/>
+                </a:solidFill>
+                <a:latin typeface="+mj-lt"/>
+              </a:rPr>
+              <a:t>MariaDB</a:t>
+            </a:r>
+            <a:r>
+              <a:rPr lang="en-US" altLang="zh-TW" sz="1600" b="1" dirty="0" smtClean="0">
+                <a:solidFill>
+                  <a:schemeClr val="tx1"/>
+                </a:solidFill>
+                <a:latin typeface="+mj-lt"/>
+              </a:rPr>
+              <a:t> and MySQL are </a:t>
+            </a:r>
+            <a:r>
+              <a:rPr lang="en-US" altLang="zh-TW" sz="1600" b="1" dirty="0" err="1" smtClean="0">
+                <a:solidFill>
+                  <a:schemeClr val="tx1"/>
+                </a:solidFill>
+                <a:latin typeface="+mj-lt"/>
+              </a:rPr>
+              <a:t>conclicted</a:t>
+            </a:r>
+            <a:r>
+              <a:rPr lang="en-US" altLang="zh-TW" sz="1600" b="1" dirty="0" smtClean="0">
+                <a:solidFill>
+                  <a:schemeClr val="tx1"/>
+                </a:solidFill>
+                <a:latin typeface="+mj-lt"/>
+              </a:rPr>
+              <a:t>.</a:t>
+            </a:r>
+          </a:p>
+          <a:p>
+            <a:pPr marL="342900" indent="-342900" algn="l">
+              <a:buClr>
+                <a:srgbClr val="0070C0"/>
+              </a:buClr>
+              <a:buSzPct val="80000"/>
+              <a:buFont typeface="Wingdings" pitchFamily="2" charset="2"/>
+              <a:buChar char="u"/>
+            </a:pPr>
+            <a:r>
+              <a:rPr lang="en-US" altLang="zh-TW" sz="1600" b="1" dirty="0" smtClean="0">
+                <a:solidFill>
+                  <a:schemeClr val="tx1"/>
+                </a:solidFill>
+                <a:latin typeface="+mj-lt"/>
+              </a:rPr>
+              <a:t>MySQL required Python, install the newest version of Python. </a:t>
             </a:r>
             <a:endParaRPr lang="en-US" altLang="zh-TW" sz="1600" dirty="0" smtClean="0">
               <a:solidFill>
@@ -7240,7 +7596,11 @@
           <a:p>
             <a:r>
               <a:rPr lang="en-US" altLang="zh-TW" sz="1600" b="1" i="1" dirty="0" smtClean="0"/>
-              <a:t>https://www.apress.com/us/book/9781484231975</a:t>
+              <a:t>https://</a:t>
+            </a:r>
+            <a:r>
+              <a:rPr lang="en-US" altLang="zh-TW" sz="1600" b="1" i="1" dirty="0" smtClean="0"/>
+              <a:t>www.apress.com/us/book/9781484231975of </a:t>
             </a:r>
             <a:endParaRPr lang="en-US" altLang="zh-TW" sz="1600" b="1" i="1" dirty="0"/>
           </a:p>
@@ -7299,6 +7659,264 @@
               <a:rPr lang="zh-TW" altLang="en-US" smtClean="0"/>
               <a:pPr/>
               <a:t>7</a:t>
+            </a:fld>
+            <a:endParaRPr lang="zh-TW" altLang="en-US"/>
+          </a:p>
+        </p:txBody>
+      </p:sp>
+    </p:spTree>
+  </p:cSld>
+  <p:clrMapOvr>
+    <a:masterClrMapping/>
+  </p:clrMapOvr>
+</p:sld>
+</file>
+
+<file path=ppt/slides/slide8.xml><?xml version="1.0" encoding="utf-8"?>
+<p:sld xmlns:a="http://schemas.openxmlformats.org/drawingml/2006/main" xmlns:r="http://schemas.openxmlformats.org/officeDocument/2006/relationships" xmlns:p="http://schemas.openxmlformats.org/presentationml/2006/main">
+  <p:cSld>
+    <p:spTree>
+      <p:nvGrpSpPr>
+        <p:cNvPr id="1" name=""/>
+        <p:cNvGrpSpPr/>
+        <p:nvPr/>
+      </p:nvGrpSpPr>
+      <p:grpSpPr>
+        <a:xfrm>
+          <a:off x="0" y="0"/>
+          <a:ext cx="0" cy="0"/>
+          <a:chOff x="0" y="0"/>
+          <a:chExt cx="0" cy="0"/>
+        </a:xfrm>
+      </p:grpSpPr>
+      <p:sp>
+        <p:nvSpPr>
+          <p:cNvPr id="2" name="標題 1"/>
+          <p:cNvSpPr>
+            <a:spLocks noGrp="1"/>
+          </p:cNvSpPr>
+          <p:nvPr>
+            <p:ph type="ctrTitle"/>
+          </p:nvPr>
+        </p:nvSpPr>
+        <p:spPr>
+          <a:xfrm>
+            <a:off x="0" y="1"/>
+            <a:ext cx="9144000" cy="764704"/>
+          </a:xfrm>
+          <a:gradFill flip="none" rotWithShape="1">
+            <a:gsLst>
+              <a:gs pos="0">
+                <a:srgbClr val="C00000">
+                  <a:shade val="30000"/>
+                  <a:satMod val="115000"/>
+                </a:srgbClr>
+              </a:gs>
+              <a:gs pos="50000">
+                <a:srgbClr val="C00000">
+                  <a:shade val="67500"/>
+                  <a:satMod val="115000"/>
+                </a:srgbClr>
+              </a:gs>
+              <a:gs pos="100000">
+                <a:srgbClr val="C00000">
+                  <a:shade val="100000"/>
+                  <a:satMod val="115000"/>
+                </a:srgbClr>
+              </a:gs>
+            </a:gsLst>
+            <a:path path="circle">
+              <a:fillToRect t="100000" r="100000"/>
+            </a:path>
+            <a:tileRect l="-100000" b="-100000"/>
+          </a:gradFill>
+        </p:spPr>
+        <p:txBody>
+          <a:bodyPr>
+            <a:normAutofit/>
+          </a:bodyPr>
+          <a:lstStyle/>
+          <a:p>
+            <a:pPr algn="l"/>
+            <a:r>
+              <a:rPr lang="en-US" altLang="zh-TW" b="1" dirty="0" smtClean="0">
+                <a:solidFill>
+                  <a:srgbClr val="FFFF00"/>
+                </a:solidFill>
+              </a:rPr>
+              <a:t>1.1 Download STS</a:t>
+            </a:r>
+            <a:endParaRPr lang="zh-TW" altLang="en-US" b="1" dirty="0">
+              <a:solidFill>
+                <a:srgbClr val="FFFF00"/>
+              </a:solidFill>
+            </a:endParaRPr>
+          </a:p>
+        </p:txBody>
+      </p:sp>
+      <p:sp>
+        <p:nvSpPr>
+          <p:cNvPr id="3" name="副標題 2"/>
+          <p:cNvSpPr>
+            <a:spLocks noGrp="1"/>
+          </p:cNvSpPr>
+          <p:nvPr>
+            <p:ph type="subTitle" idx="1"/>
+          </p:nvPr>
+        </p:nvSpPr>
+        <p:spPr>
+          <a:xfrm>
+            <a:off x="467544" y="1340768"/>
+            <a:ext cx="8352928" cy="360040"/>
+          </a:xfrm>
+          <a:ln>
+            <a:solidFill>
+              <a:srgbClr val="C00000"/>
+            </a:solidFill>
+          </a:ln>
+        </p:spPr>
+        <p:txBody>
+          <a:bodyPr>
+            <a:noAutofit/>
+          </a:bodyPr>
+          <a:lstStyle/>
+          <a:p>
+            <a:pPr marL="342900" indent="-342900" algn="l">
+              <a:buClr>
+                <a:srgbClr val="0070C0"/>
+              </a:buClr>
+              <a:buSzPct val="80000"/>
+              <a:buFont typeface="Wingdings" pitchFamily="2" charset="2"/>
+              <a:buChar char="u"/>
+            </a:pPr>
+            <a:r>
+              <a:rPr lang="en-US" altLang="zh-TW" sz="1600" b="1" dirty="0" smtClean="0">
+                <a:solidFill>
+                  <a:schemeClr val="tx1"/>
+                </a:solidFill>
+                <a:latin typeface="+mj-lt"/>
+              </a:rPr>
+              <a:t>Go To: https://dev.mysql.com/downloads/</a:t>
+            </a:r>
+            <a:endParaRPr lang="en-US" altLang="zh-TW" sz="1600" dirty="0" smtClean="0">
+              <a:solidFill>
+                <a:schemeClr val="tx1"/>
+              </a:solidFill>
+              <a:latin typeface="+mj-lt"/>
+            </a:endParaRPr>
+          </a:p>
+        </p:txBody>
+      </p:sp>
+      <p:sp>
+        <p:nvSpPr>
+          <p:cNvPr id="4" name="標題 1"/>
+          <p:cNvSpPr txBox="1">
+            <a:spLocks/>
+          </p:cNvSpPr>
+          <p:nvPr/>
+        </p:nvSpPr>
+        <p:spPr>
+          <a:xfrm>
+            <a:off x="0" y="764704"/>
+            <a:ext cx="9144000" cy="398616"/>
+          </a:xfrm>
+          <a:prstGeom prst="rect">
+            <a:avLst/>
+          </a:prstGeom>
+          <a:gradFill flip="none" rotWithShape="1">
+            <a:gsLst>
+              <a:gs pos="0">
+                <a:srgbClr val="00B0F0">
+                  <a:shade val="30000"/>
+                  <a:satMod val="115000"/>
+                </a:srgbClr>
+              </a:gs>
+              <a:gs pos="50000">
+                <a:srgbClr val="00B0F0">
+                  <a:shade val="67500"/>
+                  <a:satMod val="115000"/>
+                </a:srgbClr>
+              </a:gs>
+              <a:gs pos="100000">
+                <a:srgbClr val="00B0F0">
+                  <a:shade val="100000"/>
+                  <a:satMod val="115000"/>
+                </a:srgbClr>
+              </a:gs>
+            </a:gsLst>
+            <a:path path="circle">
+              <a:fillToRect t="100000" r="100000"/>
+            </a:path>
+            <a:tileRect l="-100000" b="-100000"/>
+          </a:gradFill>
+        </p:spPr>
+        <p:txBody>
+          <a:bodyPr vert="horz" lIns="91440" tIns="45720" rIns="91440" bIns="45720" rtlCol="0" anchor="ctr">
+            <a:normAutofit/>
+          </a:bodyPr>
+          <a:lstStyle/>
+          <a:p>
+            <a:r>
+              <a:rPr lang="en-US" altLang="zh-TW" sz="1600" b="1" i="1" dirty="0" smtClean="0"/>
+              <a:t>https://www.apress.com/us/book/9781484231975</a:t>
+            </a:r>
+            <a:endParaRPr lang="en-US" altLang="zh-TW" sz="1600" b="1" i="1" dirty="0"/>
+          </a:p>
+        </p:txBody>
+      </p:sp>
+      <p:sp>
+        <p:nvSpPr>
+          <p:cNvPr id="5" name="日期版面配置區 4"/>
+          <p:cNvSpPr>
+            <a:spLocks noGrp="1"/>
+          </p:cNvSpPr>
+          <p:nvPr>
+            <p:ph type="dt" sz="half" idx="10"/>
+          </p:nvPr>
+        </p:nvSpPr>
+        <p:spPr>
+          <a:xfrm>
+            <a:off x="457200" y="6356350"/>
+            <a:ext cx="2133600" cy="404246"/>
+          </a:xfrm>
+        </p:spPr>
+        <p:txBody>
+          <a:bodyPr/>
+          <a:lstStyle/>
+          <a:p>
+            <a:fld id="{A4F910E6-8D00-4BAF-8C48-9688E0B449D3}" type="datetime1">
+              <a:rPr lang="zh-TW" altLang="en-US" smtClean="0"/>
+              <a:pPr/>
+              <a:t>2018/11/28</a:t>
+            </a:fld>
+            <a:endParaRPr lang="zh-TW" altLang="en-US"/>
+          </a:p>
+        </p:txBody>
+      </p:sp>
+      <p:sp>
+        <p:nvSpPr>
+          <p:cNvPr id="6" name="投影片編號版面配置區 5"/>
+          <p:cNvSpPr>
+            <a:spLocks noGrp="1"/>
+          </p:cNvSpPr>
+          <p:nvPr>
+            <p:ph type="sldNum" sz="quarter" idx="12"/>
+          </p:nvPr>
+        </p:nvSpPr>
+        <p:spPr>
+          <a:xfrm>
+            <a:off x="6553200" y="6356350"/>
+            <a:ext cx="2133600" cy="404246"/>
+          </a:xfrm>
+        </p:spPr>
+        <p:txBody>
+          <a:bodyPr/>
+          <a:lstStyle/>
+          <a:p>
+            <a:fld id="{E4D7E63D-91F2-4366-A2C4-1B00C9E2590E}" type="slidenum">
+              <a:rPr lang="zh-TW" altLang="en-US" smtClean="0"/>
+              <a:pPr/>
+              <a:t>8</a:t>
             </a:fld>
             <a:endParaRPr lang="zh-TW" altLang="en-US"/>
           </a:p>
@@ -7392,7 +8010,7 @@
 </p:sld>
 </file>
 
-<file path=ppt/slides/slide8.xml><?xml version="1.0" encoding="utf-8"?>
+<file path=ppt/slides/slide9.xml><?xml version="1.0" encoding="utf-8"?>
 <p:sld xmlns:a="http://schemas.openxmlformats.org/drawingml/2006/main" xmlns:r="http://schemas.openxmlformats.org/officeDocument/2006/relationships" xmlns:p="http://schemas.openxmlformats.org/presentationml/2006/main">
   <p:cSld>
     <p:spTree>
@@ -7670,7 +8288,7 @@
             <a:fld id="{E4D7E63D-91F2-4366-A2C4-1B00C9E2590E}" type="slidenum">
               <a:rPr lang="zh-TW" altLang="en-US" smtClean="0"/>
               <a:pPr/>
-              <a:t>8</a:t>
+              <a:t>9</a:t>
             </a:fld>
             <a:endParaRPr lang="zh-TW" altLang="en-US"/>
           </a:p>
@@ -7720,378 +8338,6 @@
           <a:xfrm>
             <a:off x="5292080" y="4293096"/>
             <a:ext cx="1512168" cy="432048"/>
-          </a:xfrm>
-          <a:prstGeom prst="rect">
-            <a:avLst/>
-          </a:prstGeom>
-          <a:noFill/>
-          <a:ln>
-            <a:solidFill>
-              <a:srgbClr val="C00000"/>
-            </a:solidFill>
-          </a:ln>
-        </p:spPr>
-        <p:style>
-          <a:lnRef idx="2">
-            <a:schemeClr val="accent1">
-              <a:shade val="50000"/>
-            </a:schemeClr>
-          </a:lnRef>
-          <a:fillRef idx="1">
-            <a:schemeClr val="accent1"/>
-          </a:fillRef>
-          <a:effectRef idx="0">
-            <a:schemeClr val="accent1"/>
-          </a:effectRef>
-          <a:fontRef idx="minor">
-            <a:schemeClr val="lt1"/>
-          </a:fontRef>
-        </p:style>
-        <p:txBody>
-          <a:bodyPr rtlCol="0" anchor="ctr"/>
-          <a:lstStyle/>
-          <a:p>
-            <a:pPr algn="ctr"/>
-            <a:endParaRPr lang="zh-TW" altLang="en-US"/>
-          </a:p>
-        </p:txBody>
-      </p:sp>
-    </p:spTree>
-  </p:cSld>
-  <p:clrMapOvr>
-    <a:masterClrMapping/>
-  </p:clrMapOvr>
-</p:sld>
-</file>
-
-<file path=ppt/slides/slide9.xml><?xml version="1.0" encoding="utf-8"?>
-<p:sld xmlns:a="http://schemas.openxmlformats.org/drawingml/2006/main" xmlns:r="http://schemas.openxmlformats.org/officeDocument/2006/relationships" xmlns:p="http://schemas.openxmlformats.org/presentationml/2006/main">
-  <p:cSld>
-    <p:spTree>
-      <p:nvGrpSpPr>
-        <p:cNvPr id="1" name=""/>
-        <p:cNvGrpSpPr/>
-        <p:nvPr/>
-      </p:nvGrpSpPr>
-      <p:grpSpPr>
-        <a:xfrm>
-          <a:off x="0" y="0"/>
-          <a:ext cx="0" cy="0"/>
-          <a:chOff x="0" y="0"/>
-          <a:chExt cx="0" cy="0"/>
-        </a:xfrm>
-      </p:grpSpPr>
-      <p:pic>
-        <p:nvPicPr>
-          <p:cNvPr id="2050" name="Picture 2"/>
-          <p:cNvPicPr>
-            <a:picLocks noChangeAspect="1" noChangeArrowheads="1"/>
-          </p:cNvPicPr>
-          <p:nvPr/>
-        </p:nvPicPr>
-        <p:blipFill>
-          <a:blip r:embed="rId2" cstate="print"/>
-          <a:srcRect/>
-          <a:stretch>
-            <a:fillRect/>
-          </a:stretch>
-        </p:blipFill>
-        <p:spPr bwMode="auto">
-          <a:xfrm>
-            <a:off x="467544" y="1844824"/>
-            <a:ext cx="5292080" cy="2949304"/>
-          </a:xfrm>
-          <a:prstGeom prst="rect">
-            <a:avLst/>
-          </a:prstGeom>
-          <a:noFill/>
-          <a:ln w="9525">
-            <a:solidFill>
-              <a:srgbClr val="C00000"/>
-            </a:solidFill>
-            <a:miter lim="800000"/>
-            <a:headEnd/>
-            <a:tailEnd/>
-          </a:ln>
-        </p:spPr>
-      </p:pic>
-      <p:pic>
-        <p:nvPicPr>
-          <p:cNvPr id="2052" name="Picture 4"/>
-          <p:cNvPicPr>
-            <a:picLocks noChangeAspect="1" noChangeArrowheads="1"/>
-          </p:cNvPicPr>
-          <p:nvPr/>
-        </p:nvPicPr>
-        <p:blipFill>
-          <a:blip r:embed="rId3" cstate="print"/>
-          <a:srcRect/>
-          <a:stretch>
-            <a:fillRect/>
-          </a:stretch>
-        </p:blipFill>
-        <p:spPr bwMode="auto">
-          <a:xfrm>
-            <a:off x="2267744" y="2492896"/>
-            <a:ext cx="6225606" cy="3517875"/>
-          </a:xfrm>
-          <a:prstGeom prst="rect">
-            <a:avLst/>
-          </a:prstGeom>
-          <a:noFill/>
-          <a:ln w="9525">
-            <a:solidFill>
-              <a:srgbClr val="C00000"/>
-            </a:solidFill>
-            <a:miter lim="800000"/>
-            <a:headEnd/>
-            <a:tailEnd/>
-          </a:ln>
-        </p:spPr>
-      </p:pic>
-      <p:sp>
-        <p:nvSpPr>
-          <p:cNvPr id="2" name="標題 1"/>
-          <p:cNvSpPr>
-            <a:spLocks noGrp="1"/>
-          </p:cNvSpPr>
-          <p:nvPr>
-            <p:ph type="ctrTitle"/>
-          </p:nvPr>
-        </p:nvSpPr>
-        <p:spPr>
-          <a:xfrm>
-            <a:off x="0" y="1"/>
-            <a:ext cx="9144000" cy="764704"/>
-          </a:xfrm>
-          <a:gradFill flip="none" rotWithShape="1">
-            <a:gsLst>
-              <a:gs pos="0">
-                <a:srgbClr val="C00000">
-                  <a:shade val="30000"/>
-                  <a:satMod val="115000"/>
-                </a:srgbClr>
-              </a:gs>
-              <a:gs pos="50000">
-                <a:srgbClr val="C00000">
-                  <a:shade val="67500"/>
-                  <a:satMod val="115000"/>
-                </a:srgbClr>
-              </a:gs>
-              <a:gs pos="100000">
-                <a:srgbClr val="C00000">
-                  <a:shade val="100000"/>
-                  <a:satMod val="115000"/>
-                </a:srgbClr>
-              </a:gs>
-            </a:gsLst>
-            <a:path path="circle">
-              <a:fillToRect t="100000" r="100000"/>
-            </a:path>
-            <a:tileRect l="-100000" b="-100000"/>
-          </a:gradFill>
-        </p:spPr>
-        <p:txBody>
-          <a:bodyPr>
-            <a:normAutofit/>
-          </a:bodyPr>
-          <a:lstStyle/>
-          <a:p>
-            <a:pPr algn="l"/>
-            <a:r>
-              <a:rPr lang="en-US" altLang="zh-TW" b="1" dirty="0" smtClean="0">
-                <a:solidFill>
-                  <a:srgbClr val="FFFF00"/>
-                </a:solidFill>
-              </a:rPr>
-              <a:t>1.1 Download STS</a:t>
-            </a:r>
-            <a:endParaRPr lang="zh-TW" altLang="en-US" b="1" dirty="0">
-              <a:solidFill>
-                <a:srgbClr val="FFFF00"/>
-              </a:solidFill>
-            </a:endParaRPr>
-          </a:p>
-        </p:txBody>
-      </p:sp>
-      <p:sp>
-        <p:nvSpPr>
-          <p:cNvPr id="3" name="副標題 2"/>
-          <p:cNvSpPr>
-            <a:spLocks noGrp="1"/>
-          </p:cNvSpPr>
-          <p:nvPr>
-            <p:ph type="subTitle" idx="1"/>
-          </p:nvPr>
-        </p:nvSpPr>
-        <p:spPr>
-          <a:xfrm>
-            <a:off x="467544" y="1340768"/>
-            <a:ext cx="8352928" cy="360040"/>
-          </a:xfrm>
-          <a:ln>
-            <a:solidFill>
-              <a:srgbClr val="C00000"/>
-            </a:solidFill>
-          </a:ln>
-        </p:spPr>
-        <p:txBody>
-          <a:bodyPr>
-            <a:noAutofit/>
-          </a:bodyPr>
-          <a:lstStyle/>
-          <a:p>
-            <a:pPr marL="342900" indent="-342900" algn="l">
-              <a:buClr>
-                <a:srgbClr val="0070C0"/>
-              </a:buClr>
-              <a:buSzPct val="80000"/>
-              <a:buFont typeface="Wingdings" pitchFamily="2" charset="2"/>
-              <a:buChar char="u"/>
-            </a:pPr>
-            <a:r>
-              <a:rPr lang="en-US" altLang="zh-TW" sz="1600" b="1" dirty="0" smtClean="0">
-                <a:solidFill>
-                  <a:schemeClr val="tx1"/>
-                </a:solidFill>
-                <a:latin typeface="+mj-lt"/>
-              </a:rPr>
-              <a:t>Community Server.</a:t>
-            </a:r>
-            <a:endParaRPr lang="en-US" altLang="zh-TW" sz="1600" dirty="0" smtClean="0">
-              <a:solidFill>
-                <a:schemeClr val="tx1"/>
-              </a:solidFill>
-              <a:latin typeface="+mj-lt"/>
-            </a:endParaRPr>
-          </a:p>
-        </p:txBody>
-      </p:sp>
-      <p:sp>
-        <p:nvSpPr>
-          <p:cNvPr id="4" name="標題 1"/>
-          <p:cNvSpPr txBox="1">
-            <a:spLocks/>
-          </p:cNvSpPr>
-          <p:nvPr/>
-        </p:nvSpPr>
-        <p:spPr>
-          <a:xfrm>
-            <a:off x="0" y="764704"/>
-            <a:ext cx="9144000" cy="398616"/>
-          </a:xfrm>
-          <a:prstGeom prst="rect">
-            <a:avLst/>
-          </a:prstGeom>
-          <a:gradFill flip="none" rotWithShape="1">
-            <a:gsLst>
-              <a:gs pos="0">
-                <a:srgbClr val="00B0F0">
-                  <a:shade val="30000"/>
-                  <a:satMod val="115000"/>
-                </a:srgbClr>
-              </a:gs>
-              <a:gs pos="50000">
-                <a:srgbClr val="00B0F0">
-                  <a:shade val="67500"/>
-                  <a:satMod val="115000"/>
-                </a:srgbClr>
-              </a:gs>
-              <a:gs pos="100000">
-                <a:srgbClr val="00B0F0">
-                  <a:shade val="100000"/>
-                  <a:satMod val="115000"/>
-                </a:srgbClr>
-              </a:gs>
-            </a:gsLst>
-            <a:path path="circle">
-              <a:fillToRect t="100000" r="100000"/>
-            </a:path>
-            <a:tileRect l="-100000" b="-100000"/>
-          </a:gradFill>
-        </p:spPr>
-        <p:txBody>
-          <a:bodyPr vert="horz" lIns="91440" tIns="45720" rIns="91440" bIns="45720" rtlCol="0" anchor="ctr">
-            <a:normAutofit/>
-          </a:bodyPr>
-          <a:lstStyle/>
-          <a:p>
-            <a:r>
-              <a:rPr lang="en-US" altLang="zh-TW" sz="1600" b="1" i="1" dirty="0" smtClean="0"/>
-              <a:t>https://www.apress.com/us/book/9781484231975</a:t>
-            </a:r>
-            <a:endParaRPr lang="en-US" altLang="zh-TW" sz="1600" b="1" i="1" dirty="0"/>
-          </a:p>
-        </p:txBody>
-      </p:sp>
-      <p:sp>
-        <p:nvSpPr>
-          <p:cNvPr id="5" name="日期版面配置區 4"/>
-          <p:cNvSpPr>
-            <a:spLocks noGrp="1"/>
-          </p:cNvSpPr>
-          <p:nvPr>
-            <p:ph type="dt" sz="half" idx="10"/>
-          </p:nvPr>
-        </p:nvSpPr>
-        <p:spPr>
-          <a:xfrm>
-            <a:off x="457200" y="6356350"/>
-            <a:ext cx="2133600" cy="404246"/>
-          </a:xfrm>
-        </p:spPr>
-        <p:txBody>
-          <a:bodyPr/>
-          <a:lstStyle/>
-          <a:p>
-            <a:fld id="{A4F910E6-8D00-4BAF-8C48-9688E0B449D3}" type="datetime1">
-              <a:rPr lang="zh-TW" altLang="en-US" smtClean="0"/>
-              <a:pPr/>
-              <a:t>2018/11/28</a:t>
-            </a:fld>
-            <a:endParaRPr lang="zh-TW" altLang="en-US"/>
-          </a:p>
-        </p:txBody>
-      </p:sp>
-      <p:sp>
-        <p:nvSpPr>
-          <p:cNvPr id="6" name="投影片編號版面配置區 5"/>
-          <p:cNvSpPr>
-            <a:spLocks noGrp="1"/>
-          </p:cNvSpPr>
-          <p:nvPr>
-            <p:ph type="sldNum" sz="quarter" idx="12"/>
-          </p:nvPr>
-        </p:nvSpPr>
-        <p:spPr>
-          <a:xfrm>
-            <a:off x="6553200" y="6356350"/>
-            <a:ext cx="2133600" cy="404246"/>
-          </a:xfrm>
-        </p:spPr>
-        <p:txBody>
-          <a:bodyPr/>
-          <a:lstStyle/>
-          <a:p>
-            <a:fld id="{E4D7E63D-91F2-4366-A2C4-1B00C9E2590E}" type="slidenum">
-              <a:rPr lang="zh-TW" altLang="en-US" smtClean="0"/>
-              <a:pPr/>
-              <a:t>9</a:t>
-            </a:fld>
-            <a:endParaRPr lang="zh-TW" altLang="en-US"/>
-          </a:p>
-        </p:txBody>
-      </p:sp>
-      <p:sp>
-        <p:nvSpPr>
-          <p:cNvPr id="12" name="矩形 11"/>
-          <p:cNvSpPr/>
-          <p:nvPr/>
-        </p:nvSpPr>
-        <p:spPr>
-          <a:xfrm>
-            <a:off x="6732240" y="5661248"/>
-            <a:ext cx="1152128" cy="216024"/>
           </a:xfrm>
           <a:prstGeom prst="rect">
             <a:avLst/>
